--- a/Part 2 - Database Design/powerpoint/Conceptual, Logical and Physical Design.pptx
+++ b/Part 2 - Database Design/powerpoint/Conceptual, Logical and Physical Design.pptx
@@ -131,6 +131,42 @@
     <p1510:client id="{DB5FF2ED-5567-445A-B3E0-3393544B04A6}" v="675" dt="2022-05-11T04:00:20.336"/>
   </p1510:revLst>
 </p1510:revInfo>
+</file>
+
+<file path=ppt/ink/ink1.xml><?xml version="1.0" encoding="utf-8"?>
+<inkml:ink xmlns:inkml="http://www.w3.org/2003/InkML">
+  <inkml:definitions>
+    <inkml:context xml:id="ctx0">
+      <inkml:inkSource xml:id="inkSrc0">
+        <inkml:traceFormat>
+          <inkml:channel name="X" type="integer" max="2560" units="cm"/>
+          <inkml:channel name="Y" type="integer" max="1440" units="cm"/>
+          <inkml:channel name="T" type="integer" max="2.14748E9" units="dev"/>
+        </inkml:traceFormat>
+        <inkml:channelProperties>
+          <inkml:channelProperty channel="X" name="resolution" value="42.03613" units="1/cm"/>
+          <inkml:channelProperty channel="Y" name="resolution" value="40.56338" units="1/cm"/>
+          <inkml:channelProperty channel="T" name="resolution" value="1" units="1/dev"/>
+        </inkml:channelProperties>
+      </inkml:inkSource>
+      <inkml:timestamp xml:id="ts0" timeString="2024-01-29T10:01:26.080"/>
+    </inkml:context>
+    <inkml:brush xml:id="br0">
+      <inkml:brushProperty name="width" value="0.05292" units="cm"/>
+      <inkml:brushProperty name="height" value="0.05292" units="cm"/>
+      <inkml:brushProperty name="color" value="#FF0000"/>
+    </inkml:brush>
+    <inkml:brush xml:id="br1">
+      <inkml:brushProperty name="width" value="0.05292" units="cm"/>
+      <inkml:brushProperty name="height" value="0.05292" units="cm"/>
+      <inkml:brushProperty name="color" value="#00B050"/>
+    </inkml:brush>
+  </inkml:definitions>
+  <inkml:trace contextRef="#ctx0" brushRef="#br0">8374 8877 0,'0'-13'0,"0"-1"31,-13 1-16,-27 0 1,-52-14 0,-14-12-1,79 39 1,-198-14 0,159 14-1,-132 0 1,92 27-1,0-14 1,13 40 0,-12 13-1,25 27 1,-12-27 0,12 13-1,27 1 1,0-14-1,53-53 1,-26 119 0,26-65-1,0-54 1,26 93 0,-26-80-1,14-26-15,65 93 16,-52-54-1,131 67 1,-144-93 0,-1-13-16,238 119 15,-211-105 1,211 78 0,-26-52 30,-119-40-30,-14 0 0,-12 0-1,-14-13 1,27-14 0,-14-26-1,119-66 16,-131 66-15,-1 0 0,53-52 15,-66 52-15,0 0-1,-27 13 1,-13 0-1,1-12 1,12 12 0,-26-13-1,0 40-15,13-27 16,-13-26 0,0 13-1,0 0 1,0 40-16,-26-27 15,-1-13 1,1 14 0,-54-54 15,41 66-15,-14 14-1,-13-40 16,13 40-15,0 0 0,0 13-1,0 0 1,0 0 0,13 0-1,-12 0 1,-1 0-1,-27 0 1,27 0 0,-92 0 15,65 0 0,41 0-15,12 0-1</inkml:trace>
+  <inkml:trace contextRef="#ctx0" brushRef="#br0" timeOffset="10607.39">31406 9353 0,'-13'0'359,"0"0"-327,-1 0-1,1 0-15,-13 0-1,12 0 79,1 0 203,0 0-203,0 0 296,13 13-359,-13-13 1,-1 0 15,14 13-16,-26-13-16,13 0 17,-1 0-1,1 14-15,0-14 15,0 0-16,-1 0 1,-12 13 15,13-13 1,0 0 14,-1 0-14,1 0-1,0 0-15,-14 13-1,1-13 1,13 0-1,-1 0 1,1 0 0,0 0-1,-13 0 1,-1 0 0,-13 13-1,27-13 1,-40 0-1,40 0 1,0 0 0,-14 0-1,14 0-15,-27 0 16,14 0 0,0 0-1,-1 0 1,-26 0 15,40 0-15,0 0-16,-1 0 15,1 0 1,-40 0 0,40 0-1,-40 0 1,27 0-1,-27 0 1,-27 0 15,14 0 1,-26 0-1,52 0 0,0-13-15,14 13-1,-27 0 1,-53 0 0,66 0 15,1 0-16,-14 0 1,-27 0 15,54 0-15,-27 0 15,13 0-15,1 0-1,-41 0 17,41 0-17,-67 0 1,93 0 0,-80 0-1,80 0 1,-67 0-1,-12 0 32,-14 13-15,66 14-17,-39-1 16,52 1-15,-26 26 15,40-40-15,0-13-16,0 53 31,0 0 0,13-40-15,0 27 0,0-27-1,0 13-15,13 14 32,0-14-17,40 1 16,-53-1-15,66 14 0,-26-27-1,79 53 1,-106-66 0,172 40-1,-158-27 1,158 40-1,-145-53 1,118 27 0,-52-14-1,-79-13 1,198 26 0,-80 1 15,-132-27-16,93 13 1,-93-13 0,146 0-1,-53 0 1,-80 0 0,120 0-1,-133 0 1,106 0-1,27 0 1,-54 0 0,-12 0-1,-1-26 1,-13 26 0,-13-14-1,13 14 1,0-13-1,14 0 1,-27 0 0,-27 0-1,-13 13 1,40-53 0,-26 53-1,-27-14-15,66-25 16,0-1-1,-66 27-15,53-27 32,-27 14-17,-26-1 1,14 1 0,-14-1-1,13 1 1,-13 13-1,0-27 1,0 13 0,0 14-1,-13-40 1,13 40 0,-40-13-1,40-1 1,-13 14-1,0-14 1,-14 1 0,14 13-1,-14-14 1,14 14 0,-13-27 15,12 27-16,-12 0 1,-14 0 0,-13-14 15,40 27-15,-40-13-1,14-27 16,25 27 1,1 13-1</inkml:trace>
+  <inkml:trace contextRef="#ctx0" brushRef="#br1" timeOffset="17643.5">10319 7501 0,'0'-13'109,"-27"-1"-93,14-12 0,-53 0 15,26 12-15,1 14-1,-14-13 1,26 0-1,-26 13 17,-13-13-17,26-14 1,-26 14 0,27 0-1,-1 13 1,0-14-1,1 14 1,-28-13 0,1 13-1,27-13 1,-1 13 0,0 0-1,0 0 1,14 0-1,-14 0 1,-39 26 15,26 1-15,13 13 0,-26-14-1,40 1 1,-1-14-1,14 40 1,-27-27 0,40-13-16,-26 27 15,13-13 1,-1 12 0,14 1-1,0-14 1,0 41 15,0-28-15,14 1-1,-1 13 1,13 0 0,27 13-1,13 40 1,14-27 31,-27-26-32,-14-27 1,1-12 0,39 25 15,-26-25-16,-39-1 17,25-13-17,27 0 1,-13 0 0,14 0-1,-28 0 1,80-40 15,-66 27-15,-13-14-1,0 14 1,-1 0 0,54-53 15,-40 26 0,-40 27-15,0-27-1,27 14 1,-27 26-16,14-40 16,26 0-1,-27 14 1,-13 13-1,0-14 1,14-12 0,26-14 15,-27 26-15,-12-12-1,12-1 16,-26 13 1,26 27-17,-26-13 1,0-13 0,-13 12-1,0 1 1,0 0 15,0 0-15,-1 0-1,1 13 1,0-14 0,-14 14-1,14-26 1,0 13 15,0-1-15,-1 1 15,1 13-15,0-13 15,0 13 47</inkml:trace>
+  <inkml:trace contextRef="#ctx0" brushRef="#br1" timeOffset="23109.99">31366 12462 0,'-26'0'250,"-1"-13"-234,1 13 0,-14-14-1,-13 1 1,14 13-1,-27 0 1,-14 0 0,40 0-1,1 0 1,-14-13 0,-13 13-1,0 0 1,-14 0-1,27 0 1,0 0 0,40 0-1,-40 0 1,40 0-16,-40 0 16,0 0-1,-13 0 1,0 0-1,13 0 1,-13 0 0,39 0-1,1 0 1,13 0-16,-1 0 16,-25 0-1,26 0-15,-14 0 16,-39 0-1,13 0 1,40 0 0,-40 0-1,40 0 1,-14 0 0,-13 0-1,-26 13 1,13-13-1,40 0 1,-13 0 0,-1 0-1,-65 13 17,-14 1-1,53 12 16,26-13-32,14-13-15,0 14 16,-13-1 0,12 0-1,14 13 1,-26-26-16,26 40 15,-13-13 1,-14 65 15,14-65-15,13 39 15,0-26-15,0-1-1,0 14 1,0-26 0,13-1-1,14 27 1,26-13 0,-14 13-1,27-14 1,-13 14-1,0-26 1,0 12 0,106 41 15,-93-54-15,13 1-1,-39 12 1,13-25-1,53 12 17,105 0-1,-65 14 0,-67-40-15,120 0 15,145 0-15,-331 0-1,119 13 1,-26-13 0,-40 0-1,-26 0 1,26 0-1,0 0 1,27-13 0,-14 13-1,14-40 17,-40 14-17,53-40 16,-93 66-15,53-40 15,-53 27-15,0-40 0,14 13-1,13-13 1,-27 0-1,-13 1 17,0-1-17,0 26 1,0-26 0,0-13-1,-13 53 1,-27-53-1,0-14 17,14 41-1,-1 25-15,14 1-1,-13 0 1,12-27-1,-39 14 17,14-1-1,12 14 0,1-13-15,-1 12-1,-12-12 1,-1 13 0,0 13-1,27-13 1,-13 13 0,-27-14 15,0-12 0,40 26-15,-1-13-1,-12 13 1,13 0 0,-1 0-1,1 0 1,0-14 15</inkml:trace>
+</inkml:ink>
 </file>
 
 <file path=ppt/notesMasters/notesMaster1.xml><?xml version="1.0" encoding="utf-8"?>
@@ -4293,6 +4329,57 @@
           </a:prstGeom>
         </p:spPr>
       </p:pic>
+      <mc:AlternateContent xmlns:mc="http://schemas.openxmlformats.org/markup-compatibility/2006">
+        <mc:Choice xmlns:p14="http://schemas.microsoft.com/office/powerpoint/2010/main" Requires="p14">
+          <p:contentPart p14:bwMode="auto" r:id="rId5">
+            <p14:nvContentPartPr>
+              <p14:cNvPr id="3" name="Ink 2">
+                <a:extLst>
+                  <a:ext uri="{FF2B5EF4-FFF2-40B4-BE49-F238E27FC236}">
+                    <a16:creationId xmlns:a16="http://schemas.microsoft.com/office/drawing/2014/main" id="{FD09FFF4-8CEF-62EB-0DEA-C646913C5A58}"/>
+                  </a:ext>
+                </a:extLst>
+              </p14:cNvPr>
+              <p14:cNvContentPartPr/>
+              <p14:nvPr/>
+            </p14:nvContentPartPr>
+            <p14:xfrm>
+              <a:off x="2452680" y="2619360"/>
+              <a:ext cx="9077760" cy="2271960"/>
+            </p14:xfrm>
+          </p:contentPart>
+        </mc:Choice>
+        <mc:Fallback>
+          <p:pic>
+            <p:nvPicPr>
+              <p:cNvPr id="3" name="Ink 2">
+                <a:extLst>
+                  <a:ext uri="{FF2B5EF4-FFF2-40B4-BE49-F238E27FC236}">
+                    <a16:creationId xmlns:a16="http://schemas.microsoft.com/office/drawing/2014/main" id="{FD09FFF4-8CEF-62EB-0DEA-C646913C5A58}"/>
+                  </a:ext>
+                </a:extLst>
+              </p:cNvPr>
+              <p:cNvPicPr/>
+              <p:nvPr/>
+            </p:nvPicPr>
+            <p:blipFill>
+              <a:blip r:embed="rId6"/>
+              <a:stretch>
+                <a:fillRect/>
+              </a:stretch>
+            </p:blipFill>
+            <p:spPr>
+              <a:xfrm>
+                <a:off x="2443320" y="2610000"/>
+                <a:ext cx="9096480" cy="2290680"/>
+              </a:xfrm>
+              <a:prstGeom prst="rect">
+                <a:avLst/>
+              </a:prstGeom>
+            </p:spPr>
+          </p:pic>
+        </mc:Fallback>
+      </mc:AlternateContent>
     </p:spTree>
     <p:extLst>
       <p:ext uri="{BB962C8B-B14F-4D97-AF65-F5344CB8AC3E}">
